--- a/Reviews/First Review 20-12-2019/First Oral Presentation.pptx
+++ b/Reviews/First Review 20-12-2019/First Oral Presentation.pptx
@@ -121,7 +121,7 @@
   </p:defaultTextStyle>
   <p:extLst>
     <p:ext uri="{EFAFB233-063F-42B5-8137-9DF3F51BA10A}">
-      <p15:sldGuideLst xmlns:p15="http://schemas.microsoft.com/office/powerpoint/2012/main">
+      <p15:sldGuideLst xmlns:p15="http://schemas.microsoft.com/office/powerpoint/2012/main" xmlns="">
         <p15:guide id="1" orient="horz" pos="2160">
           <p15:clr>
             <a:srgbClr val="A4A3A4"/>
@@ -580,7 +580,7 @@
             <a:fld id="{3D8249B7-5670-4B09-86B3-71E93B280144}" type="datetimeFigureOut">
               <a:rPr lang="en-IN" smtClean="0"/>
               <a:pPr/>
-              <a:t>20-12-2019</a:t>
+              <a:t>29-01-2020</a:t>
             </a:fld>
             <a:endParaRPr lang="en-IN"/>
           </a:p>
@@ -749,7 +749,7 @@
     </p:spTree>
     <p:extLst>
       <p:ext uri="{BB962C8B-B14F-4D97-AF65-F5344CB8AC3E}">
-        <p14:creationId xmlns:p14="http://schemas.microsoft.com/office/powerpoint/2010/main" val="1535185195"/>
+        <p14:creationId xmlns:p14="http://schemas.microsoft.com/office/powerpoint/2010/main" xmlns="" val="1535185195"/>
       </p:ext>
     </p:extLst>
   </p:cSld>
@@ -979,7 +979,7 @@
             <a:fld id="{7D1AF1CA-FD27-4437-9CAD-DD56B5418F4E}" type="datetime1">
               <a:rPr lang="en-US" smtClean="0"/>
               <a:pPr/>
-              <a:t>20-Dec-19</a:t>
+              <a:t>1/29/2020</a:t>
             </a:fld>
             <a:endParaRPr lang="en-US"/>
           </a:p>
@@ -1034,7 +1034,7 @@
     </p:spTree>
     <p:extLst>
       <p:ext uri="{BB962C8B-B14F-4D97-AF65-F5344CB8AC3E}">
-        <p14:creationId xmlns:p14="http://schemas.microsoft.com/office/powerpoint/2010/main" val="1252035544"/>
+        <p14:creationId xmlns:p14="http://schemas.microsoft.com/office/powerpoint/2010/main" xmlns="" val="1252035544"/>
       </p:ext>
     </p:extLst>
   </p:cSld>
@@ -1152,7 +1152,7 @@
             <a:fld id="{B8BB03FA-AEC6-496F-8A81-D8B322B5D797}" type="datetime1">
               <a:rPr lang="en-US" smtClean="0"/>
               <a:pPr/>
-              <a:t>20-Dec-19</a:t>
+              <a:t>1/29/2020</a:t>
             </a:fld>
             <a:endParaRPr lang="en-US"/>
           </a:p>
@@ -1207,7 +1207,7 @@
     </p:spTree>
     <p:extLst>
       <p:ext uri="{BB962C8B-B14F-4D97-AF65-F5344CB8AC3E}">
-        <p14:creationId xmlns:p14="http://schemas.microsoft.com/office/powerpoint/2010/main" val="2762954207"/>
+        <p14:creationId xmlns:p14="http://schemas.microsoft.com/office/powerpoint/2010/main" xmlns="" val="2762954207"/>
       </p:ext>
     </p:extLst>
   </p:cSld>
@@ -1335,7 +1335,7 @@
             <a:fld id="{0E6D40E8-755A-4A9E-8203-7D540D0C4D6C}" type="datetime1">
               <a:rPr lang="en-US" smtClean="0"/>
               <a:pPr/>
-              <a:t>20-Dec-19</a:t>
+              <a:t>1/29/2020</a:t>
             </a:fld>
             <a:endParaRPr lang="en-US"/>
           </a:p>
@@ -1390,7 +1390,7 @@
     </p:spTree>
     <p:extLst>
       <p:ext uri="{BB962C8B-B14F-4D97-AF65-F5344CB8AC3E}">
-        <p14:creationId xmlns:p14="http://schemas.microsoft.com/office/powerpoint/2010/main" val="4184834705"/>
+        <p14:creationId xmlns:p14="http://schemas.microsoft.com/office/powerpoint/2010/main" xmlns="" val="4184834705"/>
       </p:ext>
     </p:extLst>
   </p:cSld>
@@ -1508,7 +1508,7 @@
             <a:fld id="{7E3FDB0B-B014-4C47-949F-40696701F18D}" type="datetime1">
               <a:rPr lang="en-US" smtClean="0"/>
               <a:pPr/>
-              <a:t>20-Dec-19</a:t>
+              <a:t>1/29/2020</a:t>
             </a:fld>
             <a:endParaRPr lang="en-US"/>
           </a:p>
@@ -1563,7 +1563,7 @@
     </p:spTree>
     <p:extLst>
       <p:ext uri="{BB962C8B-B14F-4D97-AF65-F5344CB8AC3E}">
-        <p14:creationId xmlns:p14="http://schemas.microsoft.com/office/powerpoint/2010/main" val="3146986748"/>
+        <p14:creationId xmlns:p14="http://schemas.microsoft.com/office/powerpoint/2010/main" xmlns="" val="3146986748"/>
       </p:ext>
     </p:extLst>
   </p:cSld>
@@ -1758,7 +1758,7 @@
             <a:fld id="{56A4027D-C39B-4028-B8BF-317DD87D366F}" type="datetime1">
               <a:rPr lang="en-US" smtClean="0"/>
               <a:pPr/>
-              <a:t>20-Dec-19</a:t>
+              <a:t>1/29/2020</a:t>
             </a:fld>
             <a:endParaRPr lang="en-US"/>
           </a:p>
@@ -1813,7 +1813,7 @@
     </p:spTree>
     <p:extLst>
       <p:ext uri="{BB962C8B-B14F-4D97-AF65-F5344CB8AC3E}">
-        <p14:creationId xmlns:p14="http://schemas.microsoft.com/office/powerpoint/2010/main" val="921976296"/>
+        <p14:creationId xmlns:p14="http://schemas.microsoft.com/office/powerpoint/2010/main" xmlns="" val="921976296"/>
       </p:ext>
     </p:extLst>
   </p:cSld>
@@ -1992,7 +1992,7 @@
             <a:fld id="{F929062A-9710-4020-9B03-34EA22284D0C}" type="datetime1">
               <a:rPr lang="en-US" smtClean="0"/>
               <a:pPr/>
-              <a:t>20-Dec-19</a:t>
+              <a:t>1/29/2020</a:t>
             </a:fld>
             <a:endParaRPr lang="en-US"/>
           </a:p>
@@ -2047,7 +2047,7 @@
     </p:spTree>
     <p:extLst>
       <p:ext uri="{BB962C8B-B14F-4D97-AF65-F5344CB8AC3E}">
-        <p14:creationId xmlns:p14="http://schemas.microsoft.com/office/powerpoint/2010/main" val="674776688"/>
+        <p14:creationId xmlns:p14="http://schemas.microsoft.com/office/powerpoint/2010/main" xmlns="" val="674776688"/>
       </p:ext>
     </p:extLst>
   </p:cSld>
@@ -2361,7 +2361,7 @@
             <a:fld id="{4B2152DA-6FB1-4EDE-8BB4-888167B9355B}" type="datetime1">
               <a:rPr lang="en-US" smtClean="0"/>
               <a:pPr/>
-              <a:t>20-Dec-19</a:t>
+              <a:t>1/29/2020</a:t>
             </a:fld>
             <a:endParaRPr lang="en-US"/>
           </a:p>
@@ -2416,7 +2416,7 @@
     </p:spTree>
     <p:extLst>
       <p:ext uri="{BB962C8B-B14F-4D97-AF65-F5344CB8AC3E}">
-        <p14:creationId xmlns:p14="http://schemas.microsoft.com/office/powerpoint/2010/main" val="967121709"/>
+        <p14:creationId xmlns:p14="http://schemas.microsoft.com/office/powerpoint/2010/main" xmlns="" val="967121709"/>
       </p:ext>
     </p:extLst>
   </p:cSld>
@@ -2483,7 +2483,7 @@
             <a:fld id="{55429E5B-FFDD-47CA-AE66-D39F45E52B55}" type="datetime1">
               <a:rPr lang="en-US" smtClean="0"/>
               <a:pPr/>
-              <a:t>20-Dec-19</a:t>
+              <a:t>1/29/2020</a:t>
             </a:fld>
             <a:endParaRPr lang="en-US"/>
           </a:p>
@@ -2538,7 +2538,7 @@
     </p:spTree>
     <p:extLst>
       <p:ext uri="{BB962C8B-B14F-4D97-AF65-F5344CB8AC3E}">
-        <p14:creationId xmlns:p14="http://schemas.microsoft.com/office/powerpoint/2010/main" val="656162686"/>
+        <p14:creationId xmlns:p14="http://schemas.microsoft.com/office/powerpoint/2010/main" xmlns="" val="656162686"/>
       </p:ext>
     </p:extLst>
   </p:cSld>
@@ -2583,7 +2583,7 @@
             <a:fld id="{3C36C040-CCB1-4266-9346-A8F110B24665}" type="datetime1">
               <a:rPr lang="en-US" smtClean="0"/>
               <a:pPr/>
-              <a:t>20-Dec-19</a:t>
+              <a:t>1/29/2020</a:t>
             </a:fld>
             <a:endParaRPr lang="en-US"/>
           </a:p>
@@ -2638,7 +2638,7 @@
     </p:spTree>
     <p:extLst>
       <p:ext uri="{BB962C8B-B14F-4D97-AF65-F5344CB8AC3E}">
-        <p14:creationId xmlns:p14="http://schemas.microsoft.com/office/powerpoint/2010/main" val="3133424761"/>
+        <p14:creationId xmlns:p14="http://schemas.microsoft.com/office/powerpoint/2010/main" xmlns="" val="3133424761"/>
       </p:ext>
     </p:extLst>
   </p:cSld>
@@ -2863,7 +2863,7 @@
             <a:fld id="{DDD8B0CE-3257-4B5B-B2F0-94303DB42A1F}" type="datetime1">
               <a:rPr lang="en-US" smtClean="0"/>
               <a:pPr/>
-              <a:t>20-Dec-19</a:t>
+              <a:t>1/29/2020</a:t>
             </a:fld>
             <a:endParaRPr lang="en-US"/>
           </a:p>
@@ -2918,7 +2918,7 @@
     </p:spTree>
     <p:extLst>
       <p:ext uri="{BB962C8B-B14F-4D97-AF65-F5344CB8AC3E}">
-        <p14:creationId xmlns:p14="http://schemas.microsoft.com/office/powerpoint/2010/main" val="3468320446"/>
+        <p14:creationId xmlns:p14="http://schemas.microsoft.com/office/powerpoint/2010/main" xmlns="" val="3468320446"/>
       </p:ext>
     </p:extLst>
   </p:cSld>
@@ -3123,7 +3123,7 @@
             <a:fld id="{FCF577C3-74B1-42E7-853A-25836E4163F3}" type="datetime1">
               <a:rPr lang="en-US" smtClean="0"/>
               <a:pPr/>
-              <a:t>20-Dec-19</a:t>
+              <a:t>1/29/2020</a:t>
             </a:fld>
             <a:endParaRPr lang="en-US"/>
           </a:p>
@@ -3178,7 +3178,7 @@
     </p:spTree>
     <p:extLst>
       <p:ext uri="{BB962C8B-B14F-4D97-AF65-F5344CB8AC3E}">
-        <p14:creationId xmlns:p14="http://schemas.microsoft.com/office/powerpoint/2010/main" val="1482800273"/>
+        <p14:creationId xmlns:p14="http://schemas.microsoft.com/office/powerpoint/2010/main" xmlns="" val="1482800273"/>
       </p:ext>
     </p:extLst>
   </p:cSld>
@@ -3342,7 +3342,7 @@
             <a:fld id="{AC29328E-BEF7-443D-BAE5-BD9F671E0CEA}" type="datetime1">
               <a:rPr lang="en-US" smtClean="0"/>
               <a:pPr/>
-              <a:t>20-Dec-19</a:t>
+              <a:t>1/29/2020</a:t>
             </a:fld>
             <a:endParaRPr lang="en-US"/>
           </a:p>
@@ -3433,7 +3433,7 @@
     </p:spTree>
     <p:extLst>
       <p:ext uri="{BB962C8B-B14F-4D97-AF65-F5344CB8AC3E}">
-        <p14:creationId xmlns:p14="http://schemas.microsoft.com/office/powerpoint/2010/main" val="2766900715"/>
+        <p14:creationId xmlns:p14="http://schemas.microsoft.com/office/powerpoint/2010/main" xmlns="" val="2766900715"/>
       </p:ext>
     </p:extLst>
   </p:cSld>
@@ -3757,7 +3757,7 @@
           <p:cNvPr id="5" name="Rectangle 4">
             <a:extLst>
               <a:ext uri="{FF2B5EF4-FFF2-40B4-BE49-F238E27FC236}">
-                <a16:creationId xmlns:a16="http://schemas.microsoft.com/office/drawing/2014/main" id="{C409AC58-2162-4EEC-B138-250DBBF30288}"/>
+                <a16:creationId xmlns:a16="http://schemas.microsoft.com/office/drawing/2014/main" xmlns="" id="{C409AC58-2162-4EEC-B138-250DBBF30288}"/>
               </a:ext>
             </a:extLst>
           </p:cNvPr>
@@ -4092,7 +4092,7 @@
           <a:blip r:embed="rId2" cstate="print">
             <a:extLst>
               <a:ext uri="{28A0092B-C50C-407E-A947-70E740481C1C}">
-                <a14:useLocalDpi xmlns:a14="http://schemas.microsoft.com/office/drawing/2010/main" val="0"/>
+                <a14:useLocalDpi xmlns:a14="http://schemas.microsoft.com/office/drawing/2010/main" xmlns="" val="0"/>
               </a:ext>
             </a:extLst>
           </a:blip>
@@ -4112,7 +4112,7 @@
           <a:noFill/>
           <a:extLst>
             <a:ext uri="{909E8E84-426E-40DD-AFC4-6F175D3DCCD1}">
-              <a14:hiddenFill xmlns:a14="http://schemas.microsoft.com/office/drawing/2010/main">
+              <a14:hiddenFill xmlns:a14="http://schemas.microsoft.com/office/drawing/2010/main" xmlns="">
                 <a:solidFill>
                   <a:srgbClr val="FFFFFF"/>
                 </a:solidFill>
@@ -4126,7 +4126,7 @@
           <p:cNvPr id="2" name="Date Placeholder 1">
             <a:extLst>
               <a:ext uri="{FF2B5EF4-FFF2-40B4-BE49-F238E27FC236}">
-                <a16:creationId xmlns:a16="http://schemas.microsoft.com/office/drawing/2014/main" id="{1FEBBEBC-180F-4554-9433-0F45F01ADA17}"/>
+                <a16:creationId xmlns:a16="http://schemas.microsoft.com/office/drawing/2014/main" xmlns="" id="{1FEBBEBC-180F-4554-9433-0F45F01ADA17}"/>
               </a:ext>
             </a:extLst>
           </p:cNvPr>
@@ -4145,7 +4145,7 @@
             <a:fld id="{5631755A-7F1F-43D1-B420-8FE5AAB03653}" type="datetime1">
               <a:rPr lang="en-US" smtClean="0"/>
               <a:pPr/>
-              <a:t>20-Dec-19</a:t>
+              <a:t>1/29/2020</a:t>
             </a:fld>
             <a:endParaRPr lang="en-US"/>
           </a:p>
@@ -4156,7 +4156,7 @@
           <p:cNvPr id="3" name="Slide Number Placeholder 2">
             <a:extLst>
               <a:ext uri="{FF2B5EF4-FFF2-40B4-BE49-F238E27FC236}">
-                <a16:creationId xmlns:a16="http://schemas.microsoft.com/office/drawing/2014/main" id="{22219251-2539-4EA6-9027-2F2AE5C97949}"/>
+                <a16:creationId xmlns:a16="http://schemas.microsoft.com/office/drawing/2014/main" xmlns="" id="{22219251-2539-4EA6-9027-2F2AE5C97949}"/>
               </a:ext>
             </a:extLst>
           </p:cNvPr>
@@ -4186,7 +4186,7 @@
           <p:cNvPr id="6" name="Table 6">
             <a:extLst>
               <a:ext uri="{FF2B5EF4-FFF2-40B4-BE49-F238E27FC236}">
-                <a16:creationId xmlns:a16="http://schemas.microsoft.com/office/drawing/2014/main" id="{B83DB7B4-5812-42F9-8D4D-54AA04099C4A}"/>
+                <a16:creationId xmlns:a16="http://schemas.microsoft.com/office/drawing/2014/main" xmlns="" id="{B83DB7B4-5812-42F9-8D4D-54AA04099C4A}"/>
               </a:ext>
             </a:extLst>
           </p:cNvPr>
@@ -4196,7 +4196,7 @@
           <p:nvPr>
             <p:extLst>
               <p:ext uri="{D42A27DB-BD31-4B8C-83A1-F6EECF244321}">
-                <p14:modId xmlns:p14="http://schemas.microsoft.com/office/powerpoint/2010/main" val="2301097977"/>
+                <p14:modId xmlns:p14="http://schemas.microsoft.com/office/powerpoint/2010/main" xmlns="" val="2301097977"/>
               </p:ext>
             </p:extLst>
           </p:nvPr>
@@ -4215,14 +4215,14 @@
                 <a:gridCol w="5207082">
                   <a:extLst>
                     <a:ext uri="{9D8B030D-6E8A-4147-A177-3AD203B41FA5}">
-                      <a16:colId xmlns:a16="http://schemas.microsoft.com/office/drawing/2014/main" val="3291672"/>
+                      <a16:colId xmlns:a16="http://schemas.microsoft.com/office/drawing/2014/main" xmlns="" val="3291672"/>
                     </a:ext>
                   </a:extLst>
                 </a:gridCol>
                 <a:gridCol w="3800376">
                   <a:extLst>
                     <a:ext uri="{9D8B030D-6E8A-4147-A177-3AD203B41FA5}">
-                      <a16:colId xmlns:a16="http://schemas.microsoft.com/office/drawing/2014/main" val="3282628654"/>
+                      <a16:colId xmlns:a16="http://schemas.microsoft.com/office/drawing/2014/main" xmlns="" val="3282628654"/>
                     </a:ext>
                   </a:extLst>
                 </a:gridCol>
@@ -4351,7 +4351,7 @@
                 </a:tc>
                 <a:extLst>
                   <a:ext uri="{0D108BD9-81ED-4DB2-BD59-A6C34878D82A}">
-                    <a16:rowId xmlns:a16="http://schemas.microsoft.com/office/drawing/2014/main" val="2302665074"/>
+                    <a16:rowId xmlns:a16="http://schemas.microsoft.com/office/drawing/2014/main" xmlns="" val="2302665074"/>
                   </a:ext>
                 </a:extLst>
               </a:tr>
@@ -4495,7 +4495,7 @@
                 </a:tc>
                 <a:extLst>
                   <a:ext uri="{0D108BD9-81ED-4DB2-BD59-A6C34878D82A}">
-                    <a16:rowId xmlns:a16="http://schemas.microsoft.com/office/drawing/2014/main" val="3101617131"/>
+                    <a16:rowId xmlns:a16="http://schemas.microsoft.com/office/drawing/2014/main" xmlns="" val="3101617131"/>
                   </a:ext>
                 </a:extLst>
               </a:tr>
@@ -4639,7 +4639,7 @@
                 </a:tc>
                 <a:extLst>
                   <a:ext uri="{0D108BD9-81ED-4DB2-BD59-A6C34878D82A}">
-                    <a16:rowId xmlns:a16="http://schemas.microsoft.com/office/drawing/2014/main" val="3378807038"/>
+                    <a16:rowId xmlns:a16="http://schemas.microsoft.com/office/drawing/2014/main" xmlns="" val="3378807038"/>
                   </a:ext>
                 </a:extLst>
               </a:tr>
@@ -4783,7 +4783,7 @@
                 </a:tc>
                 <a:extLst>
                   <a:ext uri="{0D108BD9-81ED-4DB2-BD59-A6C34878D82A}">
-                    <a16:rowId xmlns:a16="http://schemas.microsoft.com/office/drawing/2014/main" val="3064880953"/>
+                    <a16:rowId xmlns:a16="http://schemas.microsoft.com/office/drawing/2014/main" xmlns="" val="3064880953"/>
                   </a:ext>
                 </a:extLst>
               </a:tr>
@@ -4794,13 +4794,20 @@
     </p:spTree>
     <p:extLst>
       <p:ext uri="{BB962C8B-B14F-4D97-AF65-F5344CB8AC3E}">
-        <p14:creationId xmlns:p14="http://schemas.microsoft.com/office/powerpoint/2010/main" val="1664478098"/>
+        <p14:creationId xmlns:p14="http://schemas.microsoft.com/office/powerpoint/2010/main" xmlns="" val="1664478098"/>
       </p:ext>
     </p:extLst>
   </p:cSld>
   <p:clrMapOvr>
     <a:masterClrMapping/>
   </p:clrMapOvr>
+  <p:timing>
+    <p:tnLst>
+      <p:par>
+        <p:cTn id="1" dur="indefinite" restart="never" nodeType="tmRoot"/>
+      </p:par>
+    </p:tnLst>
+  </p:timing>
 </p:sld>
 </file>
 
@@ -4826,7 +4833,7 @@
           <p:cNvPr id="3" name="Content Placeholder 2">
             <a:extLst>
               <a:ext uri="{FF2B5EF4-FFF2-40B4-BE49-F238E27FC236}">
-                <a16:creationId xmlns:a16="http://schemas.microsoft.com/office/drawing/2014/main" id="{A5CF9C68-F8E1-43F4-BDDF-866429EC9D1E}"/>
+                <a16:creationId xmlns:a16="http://schemas.microsoft.com/office/drawing/2014/main" xmlns="" id="{A5CF9C68-F8E1-43F4-BDDF-866429EC9D1E}"/>
               </a:ext>
             </a:extLst>
           </p:cNvPr>
@@ -4862,7 +4869,7 @@
           <p:cNvPr id="4" name="Date Placeholder 3">
             <a:extLst>
               <a:ext uri="{FF2B5EF4-FFF2-40B4-BE49-F238E27FC236}">
-                <a16:creationId xmlns:a16="http://schemas.microsoft.com/office/drawing/2014/main" id="{D76066D8-4017-49D3-A74C-39BDED6144EB}"/>
+                <a16:creationId xmlns:a16="http://schemas.microsoft.com/office/drawing/2014/main" xmlns="" id="{D76066D8-4017-49D3-A74C-39BDED6144EB}"/>
               </a:ext>
             </a:extLst>
           </p:cNvPr>
@@ -4881,7 +4888,7 @@
             <a:fld id="{7E3FDB0B-B014-4C47-949F-40696701F18D}" type="datetime1">
               <a:rPr lang="en-US" smtClean="0"/>
               <a:pPr/>
-              <a:t>20-Dec-19</a:t>
+              <a:t>1/29/2020</a:t>
             </a:fld>
             <a:endParaRPr lang="en-US"/>
           </a:p>
@@ -4892,7 +4899,7 @@
           <p:cNvPr id="5" name="Slide Number Placeholder 4">
             <a:extLst>
               <a:ext uri="{FF2B5EF4-FFF2-40B4-BE49-F238E27FC236}">
-                <a16:creationId xmlns:a16="http://schemas.microsoft.com/office/drawing/2014/main" id="{114D5F59-C1E5-4B1A-BA66-70D0B6F715EE}"/>
+                <a16:creationId xmlns:a16="http://schemas.microsoft.com/office/drawing/2014/main" xmlns="" id="{114D5F59-C1E5-4B1A-BA66-70D0B6F715EE}"/>
               </a:ext>
             </a:extLst>
           </p:cNvPr>
@@ -4922,7 +4929,7 @@
           <p:cNvPr id="6" name="TextBox 5">
             <a:extLst>
               <a:ext uri="{FF2B5EF4-FFF2-40B4-BE49-F238E27FC236}">
-                <a16:creationId xmlns:a16="http://schemas.microsoft.com/office/drawing/2014/main" id="{B6C99EC1-F94B-44CB-A3E1-D211B377218D}"/>
+                <a16:creationId xmlns:a16="http://schemas.microsoft.com/office/drawing/2014/main" xmlns="" id="{B6C99EC1-F94B-44CB-A3E1-D211B377218D}"/>
               </a:ext>
             </a:extLst>
           </p:cNvPr>
@@ -4960,13 +4967,20 @@
     </p:spTree>
     <p:extLst>
       <p:ext uri="{BB962C8B-B14F-4D97-AF65-F5344CB8AC3E}">
-        <p14:creationId xmlns:p14="http://schemas.microsoft.com/office/powerpoint/2010/main" val="4028563155"/>
+        <p14:creationId xmlns:p14="http://schemas.microsoft.com/office/powerpoint/2010/main" xmlns="" val="4028563155"/>
       </p:ext>
     </p:extLst>
   </p:cSld>
   <p:clrMapOvr>
     <a:masterClrMapping/>
   </p:clrMapOvr>
+  <p:timing>
+    <p:tnLst>
+      <p:par>
+        <p:cTn id="1" dur="indefinite" restart="never" nodeType="tmRoot"/>
+      </p:par>
+    </p:tnLst>
+  </p:timing>
 </p:sld>
 </file>
 
@@ -4992,7 +5006,7 @@
           <p:cNvPr id="7" name="Table 7">
             <a:extLst>
               <a:ext uri="{FF2B5EF4-FFF2-40B4-BE49-F238E27FC236}">
-                <a16:creationId xmlns:a16="http://schemas.microsoft.com/office/drawing/2014/main" id="{11DEA57D-B1FC-4BD2-993C-904B734E7F4C}"/>
+                <a16:creationId xmlns:a16="http://schemas.microsoft.com/office/drawing/2014/main" xmlns="" id="{11DEA57D-B1FC-4BD2-993C-904B734E7F4C}"/>
               </a:ext>
             </a:extLst>
           </p:cNvPr>
@@ -5003,7 +5017,7 @@
             <p:ph idx="1"/>
             <p:extLst>
               <p:ext uri="{D42A27DB-BD31-4B8C-83A1-F6EECF244321}">
-                <p14:modId xmlns:p14="http://schemas.microsoft.com/office/powerpoint/2010/main" val="3480837079"/>
+                <p14:modId xmlns:p14="http://schemas.microsoft.com/office/powerpoint/2010/main" xmlns="" val="3480837079"/>
               </p:ext>
             </p:extLst>
           </p:nvPr>
@@ -5022,28 +5036,28 @@
                 <a:gridCol w="724270">
                   <a:extLst>
                     <a:ext uri="{9D8B030D-6E8A-4147-A177-3AD203B41FA5}">
-                      <a16:colId xmlns:a16="http://schemas.microsoft.com/office/drawing/2014/main" val="3854152555"/>
+                      <a16:colId xmlns:a16="http://schemas.microsoft.com/office/drawing/2014/main" xmlns="" val="3854152555"/>
                     </a:ext>
                   </a:extLst>
                 </a:gridCol>
                 <a:gridCol w="6303146">
                   <a:extLst>
                     <a:ext uri="{9D8B030D-6E8A-4147-A177-3AD203B41FA5}">
-                      <a16:colId xmlns:a16="http://schemas.microsoft.com/office/drawing/2014/main" val="3066210890"/>
+                      <a16:colId xmlns:a16="http://schemas.microsoft.com/office/drawing/2014/main" xmlns="" val="3066210890"/>
                     </a:ext>
                   </a:extLst>
                 </a:gridCol>
                 <a:gridCol w="1642368">
                   <a:extLst>
                     <a:ext uri="{9D8B030D-6E8A-4147-A177-3AD203B41FA5}">
-                      <a16:colId xmlns:a16="http://schemas.microsoft.com/office/drawing/2014/main" val="3823304465"/>
+                      <a16:colId xmlns:a16="http://schemas.microsoft.com/office/drawing/2014/main" xmlns="" val="3823304465"/>
                     </a:ext>
                   </a:extLst>
                 </a:gridCol>
                 <a:gridCol w="1845816">
                   <a:extLst>
                     <a:ext uri="{9D8B030D-6E8A-4147-A177-3AD203B41FA5}">
-                      <a16:colId xmlns:a16="http://schemas.microsoft.com/office/drawing/2014/main" val="911038417"/>
+                      <a16:colId xmlns:a16="http://schemas.microsoft.com/office/drawing/2014/main" xmlns="" val="911038417"/>
                     </a:ext>
                   </a:extLst>
                 </a:gridCol>
@@ -5104,7 +5118,7 @@
                 </a:tc>
                 <a:extLst>
                   <a:ext uri="{0D108BD9-81ED-4DB2-BD59-A6C34878D82A}">
-                    <a16:rowId xmlns:a16="http://schemas.microsoft.com/office/drawing/2014/main" val="2164528051"/>
+                    <a16:rowId xmlns:a16="http://schemas.microsoft.com/office/drawing/2014/main" xmlns="" val="2164528051"/>
                   </a:ext>
                 </a:extLst>
               </a:tr>
@@ -5164,7 +5178,7 @@
                 </a:tc>
                 <a:extLst>
                   <a:ext uri="{0D108BD9-81ED-4DB2-BD59-A6C34878D82A}">
-                    <a16:rowId xmlns:a16="http://schemas.microsoft.com/office/drawing/2014/main" val="1030150605"/>
+                    <a16:rowId xmlns:a16="http://schemas.microsoft.com/office/drawing/2014/main" xmlns="" val="1030150605"/>
                   </a:ext>
                 </a:extLst>
               </a:tr>
@@ -5223,7 +5237,7 @@
                 </a:tc>
                 <a:extLst>
                   <a:ext uri="{0D108BD9-81ED-4DB2-BD59-A6C34878D82A}">
-                    <a16:rowId xmlns:a16="http://schemas.microsoft.com/office/drawing/2014/main" val="2759942567"/>
+                    <a16:rowId xmlns:a16="http://schemas.microsoft.com/office/drawing/2014/main" xmlns="" val="2759942567"/>
                   </a:ext>
                 </a:extLst>
               </a:tr>
@@ -5282,7 +5296,7 @@
                 </a:tc>
                 <a:extLst>
                   <a:ext uri="{0D108BD9-81ED-4DB2-BD59-A6C34878D82A}">
-                    <a16:rowId xmlns:a16="http://schemas.microsoft.com/office/drawing/2014/main" val="1350085672"/>
+                    <a16:rowId xmlns:a16="http://schemas.microsoft.com/office/drawing/2014/main" xmlns="" val="1350085672"/>
                   </a:ext>
                 </a:extLst>
               </a:tr>
@@ -5341,7 +5355,7 @@
                 </a:tc>
                 <a:extLst>
                   <a:ext uri="{0D108BD9-81ED-4DB2-BD59-A6C34878D82A}">
-                    <a16:rowId xmlns:a16="http://schemas.microsoft.com/office/drawing/2014/main" val="81721364"/>
+                    <a16:rowId xmlns:a16="http://schemas.microsoft.com/office/drawing/2014/main" xmlns="" val="81721364"/>
                   </a:ext>
                 </a:extLst>
               </a:tr>
@@ -5400,7 +5414,7 @@
                 </a:tc>
                 <a:extLst>
                   <a:ext uri="{0D108BD9-81ED-4DB2-BD59-A6C34878D82A}">
-                    <a16:rowId xmlns:a16="http://schemas.microsoft.com/office/drawing/2014/main" val="1497123852"/>
+                    <a16:rowId xmlns:a16="http://schemas.microsoft.com/office/drawing/2014/main" xmlns="" val="1497123852"/>
                   </a:ext>
                 </a:extLst>
               </a:tr>
@@ -5459,7 +5473,7 @@
                 </a:tc>
                 <a:extLst>
                   <a:ext uri="{0D108BD9-81ED-4DB2-BD59-A6C34878D82A}">
-                    <a16:rowId xmlns:a16="http://schemas.microsoft.com/office/drawing/2014/main" val="1441460306"/>
+                    <a16:rowId xmlns:a16="http://schemas.microsoft.com/office/drawing/2014/main" xmlns="" val="1441460306"/>
                   </a:ext>
                 </a:extLst>
               </a:tr>
@@ -5518,7 +5532,7 @@
                 </a:tc>
                 <a:extLst>
                   <a:ext uri="{0D108BD9-81ED-4DB2-BD59-A6C34878D82A}">
-                    <a16:rowId xmlns:a16="http://schemas.microsoft.com/office/drawing/2014/main" val="1486239101"/>
+                    <a16:rowId xmlns:a16="http://schemas.microsoft.com/office/drawing/2014/main" xmlns="" val="1486239101"/>
                   </a:ext>
                 </a:extLst>
               </a:tr>
@@ -5531,7 +5545,7 @@
           <p:cNvPr id="4" name="Date Placeholder 3">
             <a:extLst>
               <a:ext uri="{FF2B5EF4-FFF2-40B4-BE49-F238E27FC236}">
-                <a16:creationId xmlns:a16="http://schemas.microsoft.com/office/drawing/2014/main" id="{B8F27343-FA37-42AF-92DB-1DA83A1FD990}"/>
+                <a16:creationId xmlns:a16="http://schemas.microsoft.com/office/drawing/2014/main" xmlns="" id="{B8F27343-FA37-42AF-92DB-1DA83A1FD990}"/>
               </a:ext>
             </a:extLst>
           </p:cNvPr>
@@ -5550,7 +5564,7 @@
             <a:fld id="{7E3FDB0B-B014-4C47-949F-40696701F18D}" type="datetime1">
               <a:rPr lang="en-US" smtClean="0"/>
               <a:pPr/>
-              <a:t>20-Dec-19</a:t>
+              <a:t>1/29/2020</a:t>
             </a:fld>
             <a:endParaRPr lang="en-US"/>
           </a:p>
@@ -5561,7 +5575,7 @@
           <p:cNvPr id="5" name="Slide Number Placeholder 4">
             <a:extLst>
               <a:ext uri="{FF2B5EF4-FFF2-40B4-BE49-F238E27FC236}">
-                <a16:creationId xmlns:a16="http://schemas.microsoft.com/office/drawing/2014/main" id="{37859AA6-2603-4E99-AF1B-BA4EA2375B10}"/>
+                <a16:creationId xmlns:a16="http://schemas.microsoft.com/office/drawing/2014/main" xmlns="" id="{37859AA6-2603-4E99-AF1B-BA4EA2375B10}"/>
               </a:ext>
             </a:extLst>
           </p:cNvPr>
@@ -5591,7 +5605,7 @@
           <p:cNvPr id="6" name="TextBox 5">
             <a:extLst>
               <a:ext uri="{FF2B5EF4-FFF2-40B4-BE49-F238E27FC236}">
-                <a16:creationId xmlns:a16="http://schemas.microsoft.com/office/drawing/2014/main" id="{9AF18AF7-A108-47EF-B0AF-E1986998440B}"/>
+                <a16:creationId xmlns:a16="http://schemas.microsoft.com/office/drawing/2014/main" xmlns="" id="{9AF18AF7-A108-47EF-B0AF-E1986998440B}"/>
               </a:ext>
             </a:extLst>
           </p:cNvPr>
@@ -5629,13 +5643,20 @@
     </p:spTree>
     <p:extLst>
       <p:ext uri="{BB962C8B-B14F-4D97-AF65-F5344CB8AC3E}">
-        <p14:creationId xmlns:p14="http://schemas.microsoft.com/office/powerpoint/2010/main" val="2710898706"/>
+        <p14:creationId xmlns:p14="http://schemas.microsoft.com/office/powerpoint/2010/main" xmlns="" val="2710898706"/>
       </p:ext>
     </p:extLst>
   </p:cSld>
   <p:clrMapOvr>
     <a:masterClrMapping/>
   </p:clrMapOvr>
+  <p:timing>
+    <p:tnLst>
+      <p:par>
+        <p:cTn id="1" dur="indefinite" restart="never" nodeType="tmRoot"/>
+      </p:par>
+    </p:tnLst>
+  </p:timing>
 </p:sld>
 </file>
 
@@ -5661,7 +5682,7 @@
           <p:cNvPr id="4" name="TextBox 3">
             <a:extLst>
               <a:ext uri="{FF2B5EF4-FFF2-40B4-BE49-F238E27FC236}">
-                <a16:creationId xmlns:a16="http://schemas.microsoft.com/office/drawing/2014/main" id="{C4BB6DEF-F39C-40B0-B60B-2E342DDF5922}"/>
+                <a16:creationId xmlns:a16="http://schemas.microsoft.com/office/drawing/2014/main" xmlns="" id="{C4BB6DEF-F39C-40B0-B60B-2E342DDF5922}"/>
               </a:ext>
             </a:extLst>
           </p:cNvPr>
@@ -5701,7 +5722,7 @@
           <p:cNvPr id="3" name="Date Placeholder 2">
             <a:extLst>
               <a:ext uri="{FF2B5EF4-FFF2-40B4-BE49-F238E27FC236}">
-                <a16:creationId xmlns:a16="http://schemas.microsoft.com/office/drawing/2014/main" id="{3000AC7D-C646-4A26-934D-95EC7158415E}"/>
+                <a16:creationId xmlns:a16="http://schemas.microsoft.com/office/drawing/2014/main" xmlns="" id="{3000AC7D-C646-4A26-934D-95EC7158415E}"/>
               </a:ext>
             </a:extLst>
           </p:cNvPr>
@@ -5720,7 +5741,7 @@
             <a:fld id="{7D3818A2-EEB7-4262-8046-02DC67F5AE89}" type="datetime1">
               <a:rPr lang="en-US" smtClean="0"/>
               <a:pPr/>
-              <a:t>20-Dec-19</a:t>
+              <a:t>1/29/2020</a:t>
             </a:fld>
             <a:endParaRPr lang="en-US"/>
           </a:p>
@@ -5731,7 +5752,7 @@
           <p:cNvPr id="5" name="Slide Number Placeholder 4">
             <a:extLst>
               <a:ext uri="{FF2B5EF4-FFF2-40B4-BE49-F238E27FC236}">
-                <a16:creationId xmlns:a16="http://schemas.microsoft.com/office/drawing/2014/main" id="{C8B981BA-7AE4-4E6C-9012-F1DBF6F72A23}"/>
+                <a16:creationId xmlns:a16="http://schemas.microsoft.com/office/drawing/2014/main" xmlns="" id="{C8B981BA-7AE4-4E6C-9012-F1DBF6F72A23}"/>
               </a:ext>
             </a:extLst>
           </p:cNvPr>
@@ -5761,7 +5782,7 @@
           <p:cNvPr id="6" name="Table 6">
             <a:extLst>
               <a:ext uri="{FF2B5EF4-FFF2-40B4-BE49-F238E27FC236}">
-                <a16:creationId xmlns:a16="http://schemas.microsoft.com/office/drawing/2014/main" id="{AC9E14EC-3F02-449A-AD8E-DE30BE95F792}"/>
+                <a16:creationId xmlns:a16="http://schemas.microsoft.com/office/drawing/2014/main" xmlns="" id="{AC9E14EC-3F02-449A-AD8E-DE30BE95F792}"/>
               </a:ext>
             </a:extLst>
           </p:cNvPr>
@@ -5771,7 +5792,7 @@
           <p:nvPr>
             <p:extLst>
               <p:ext uri="{D42A27DB-BD31-4B8C-83A1-F6EECF244321}">
-                <p14:modId xmlns:p14="http://schemas.microsoft.com/office/powerpoint/2010/main" val="893868250"/>
+                <p14:modId xmlns:p14="http://schemas.microsoft.com/office/powerpoint/2010/main" xmlns="" val="893868250"/>
               </p:ext>
             </p:extLst>
           </p:nvPr>
@@ -5790,14 +5811,14 @@
                 <a:gridCol w="661800">
                   <a:extLst>
                     <a:ext uri="{9D8B030D-6E8A-4147-A177-3AD203B41FA5}">
-                      <a16:colId xmlns:a16="http://schemas.microsoft.com/office/drawing/2014/main" val="3448325611"/>
+                      <a16:colId xmlns:a16="http://schemas.microsoft.com/office/drawing/2014/main" xmlns="" val="3448325611"/>
                     </a:ext>
                   </a:extLst>
                 </a:gridCol>
                 <a:gridCol w="9848621">
                   <a:extLst>
                     <a:ext uri="{9D8B030D-6E8A-4147-A177-3AD203B41FA5}">
-                      <a16:colId xmlns:a16="http://schemas.microsoft.com/office/drawing/2014/main" val="393581948"/>
+                      <a16:colId xmlns:a16="http://schemas.microsoft.com/office/drawing/2014/main" xmlns="" val="393581948"/>
                     </a:ext>
                   </a:extLst>
                 </a:gridCol>
@@ -5939,7 +5960,7 @@
                 </a:tc>
                 <a:extLst>
                   <a:ext uri="{0D108BD9-81ED-4DB2-BD59-A6C34878D82A}">
-                    <a16:rowId xmlns:a16="http://schemas.microsoft.com/office/drawing/2014/main" val="2982736879"/>
+                    <a16:rowId xmlns:a16="http://schemas.microsoft.com/office/drawing/2014/main" xmlns="" val="2982736879"/>
                   </a:ext>
                 </a:extLst>
               </a:tr>
@@ -6092,7 +6113,7 @@
                 </a:tc>
                 <a:extLst>
                   <a:ext uri="{0D108BD9-81ED-4DB2-BD59-A6C34878D82A}">
-                    <a16:rowId xmlns:a16="http://schemas.microsoft.com/office/drawing/2014/main" val="3000277682"/>
+                    <a16:rowId xmlns:a16="http://schemas.microsoft.com/office/drawing/2014/main" xmlns="" val="3000277682"/>
                   </a:ext>
                 </a:extLst>
               </a:tr>
@@ -6257,7 +6278,7 @@
                 </a:tc>
                 <a:extLst>
                   <a:ext uri="{0D108BD9-81ED-4DB2-BD59-A6C34878D82A}">
-                    <a16:rowId xmlns:a16="http://schemas.microsoft.com/office/drawing/2014/main" val="1892891298"/>
+                    <a16:rowId xmlns:a16="http://schemas.microsoft.com/office/drawing/2014/main" xmlns="" val="1892891298"/>
                   </a:ext>
                 </a:extLst>
               </a:tr>
@@ -6398,7 +6419,7 @@
                 </a:tc>
                 <a:extLst>
                   <a:ext uri="{0D108BD9-81ED-4DB2-BD59-A6C34878D82A}">
-                    <a16:rowId xmlns:a16="http://schemas.microsoft.com/office/drawing/2014/main" val="548713284"/>
+                    <a16:rowId xmlns:a16="http://schemas.microsoft.com/office/drawing/2014/main" xmlns="" val="548713284"/>
                   </a:ext>
                 </a:extLst>
               </a:tr>
@@ -6635,7 +6656,7 @@
                 </a:tc>
                 <a:extLst>
                   <a:ext uri="{0D108BD9-81ED-4DB2-BD59-A6C34878D82A}">
-                    <a16:rowId xmlns:a16="http://schemas.microsoft.com/office/drawing/2014/main" val="252214642"/>
+                    <a16:rowId xmlns:a16="http://schemas.microsoft.com/office/drawing/2014/main" xmlns="" val="252214642"/>
                   </a:ext>
                 </a:extLst>
               </a:tr>
@@ -6800,7 +6821,7 @@
                 </a:tc>
                 <a:extLst>
                   <a:ext uri="{0D108BD9-81ED-4DB2-BD59-A6C34878D82A}">
-                    <a16:rowId xmlns:a16="http://schemas.microsoft.com/office/drawing/2014/main" val="3489601737"/>
+                    <a16:rowId xmlns:a16="http://schemas.microsoft.com/office/drawing/2014/main" xmlns="" val="3489601737"/>
                   </a:ext>
                 </a:extLst>
               </a:tr>
@@ -6941,7 +6962,7 @@
                 </a:tc>
                 <a:extLst>
                   <a:ext uri="{0D108BD9-81ED-4DB2-BD59-A6C34878D82A}">
-                    <a16:rowId xmlns:a16="http://schemas.microsoft.com/office/drawing/2014/main" val="2688330897"/>
+                    <a16:rowId xmlns:a16="http://schemas.microsoft.com/office/drawing/2014/main" xmlns="" val="2688330897"/>
                   </a:ext>
                 </a:extLst>
               </a:tr>
@@ -6952,13 +6973,20 @@
     </p:spTree>
     <p:extLst>
       <p:ext uri="{BB962C8B-B14F-4D97-AF65-F5344CB8AC3E}">
-        <p14:creationId xmlns:p14="http://schemas.microsoft.com/office/powerpoint/2010/main" val="844048752"/>
+        <p14:creationId xmlns:p14="http://schemas.microsoft.com/office/powerpoint/2010/main" xmlns="" val="844048752"/>
       </p:ext>
     </p:extLst>
   </p:cSld>
   <p:clrMapOvr>
     <a:masterClrMapping/>
   </p:clrMapOvr>
+  <p:timing>
+    <p:tnLst>
+      <p:par>
+        <p:cTn id="1" dur="indefinite" restart="never" nodeType="tmRoot"/>
+      </p:par>
+    </p:tnLst>
+  </p:timing>
 </p:sld>
 </file>
 
@@ -6984,7 +7012,7 @@
           <p:cNvPr id="2" name="Title 1">
             <a:extLst>
               <a:ext uri="{FF2B5EF4-FFF2-40B4-BE49-F238E27FC236}">
-                <a16:creationId xmlns:a16="http://schemas.microsoft.com/office/drawing/2014/main" id="{6DCB1159-D691-4B53-B1A6-D9B3A79BE525}"/>
+                <a16:creationId xmlns:a16="http://schemas.microsoft.com/office/drawing/2014/main" xmlns="" id="{6DCB1159-D691-4B53-B1A6-D9B3A79BE525}"/>
               </a:ext>
             </a:extLst>
           </p:cNvPr>
@@ -7009,7 +7037,7 @@
           <p:cNvPr id="3" name="Date Placeholder 2">
             <a:extLst>
               <a:ext uri="{FF2B5EF4-FFF2-40B4-BE49-F238E27FC236}">
-                <a16:creationId xmlns:a16="http://schemas.microsoft.com/office/drawing/2014/main" id="{6DEC8314-1F46-43E9-87EC-9D327CFD75A2}"/>
+                <a16:creationId xmlns:a16="http://schemas.microsoft.com/office/drawing/2014/main" xmlns="" id="{6DEC8314-1F46-43E9-87EC-9D327CFD75A2}"/>
               </a:ext>
             </a:extLst>
           </p:cNvPr>
@@ -7028,7 +7056,7 @@
             <a:fld id="{55429E5B-FFDD-47CA-AE66-D39F45E52B55}" type="datetime1">
               <a:rPr lang="en-US" smtClean="0"/>
               <a:pPr/>
-              <a:t>20-Dec-19</a:t>
+              <a:t>1/29/2020</a:t>
             </a:fld>
             <a:endParaRPr lang="en-US"/>
           </a:p>
@@ -7039,7 +7067,7 @@
           <p:cNvPr id="4" name="Slide Number Placeholder 3">
             <a:extLst>
               <a:ext uri="{FF2B5EF4-FFF2-40B4-BE49-F238E27FC236}">
-                <a16:creationId xmlns:a16="http://schemas.microsoft.com/office/drawing/2014/main" id="{60585039-2C10-4B0D-ABFA-290767B07452}"/>
+                <a16:creationId xmlns:a16="http://schemas.microsoft.com/office/drawing/2014/main" xmlns="" id="{60585039-2C10-4B0D-ABFA-290767B07452}"/>
               </a:ext>
             </a:extLst>
           </p:cNvPr>
@@ -7069,7 +7097,7 @@
           <p:cNvPr id="8" name="Picture 7">
             <a:extLst>
               <a:ext uri="{FF2B5EF4-FFF2-40B4-BE49-F238E27FC236}">
-                <a16:creationId xmlns:a16="http://schemas.microsoft.com/office/drawing/2014/main" id="{63F881B9-BB6E-445C-BA3F-A72AD63B9124}"/>
+                <a16:creationId xmlns:a16="http://schemas.microsoft.com/office/drawing/2014/main" xmlns="" id="{63F881B9-BB6E-445C-BA3F-A72AD63B9124}"/>
               </a:ext>
             </a:extLst>
           </p:cNvPr>
@@ -7082,7 +7110,7 @@
           <a:blip r:embed="rId2">
             <a:extLst>
               <a:ext uri="{28A0092B-C50C-407E-A947-70E740481C1C}">
-                <a14:useLocalDpi xmlns:a14="http://schemas.microsoft.com/office/drawing/2010/main" val="0"/>
+                <a14:useLocalDpi xmlns:a14="http://schemas.microsoft.com/office/drawing/2010/main" xmlns="" val="0"/>
               </a:ext>
             </a:extLst>
           </a:blip>
@@ -7103,13 +7131,20 @@
     </p:spTree>
     <p:extLst>
       <p:ext uri="{BB962C8B-B14F-4D97-AF65-F5344CB8AC3E}">
-        <p14:creationId xmlns:p14="http://schemas.microsoft.com/office/powerpoint/2010/main" val="3574002923"/>
+        <p14:creationId xmlns:p14="http://schemas.microsoft.com/office/powerpoint/2010/main" xmlns="" val="3574002923"/>
       </p:ext>
     </p:extLst>
   </p:cSld>
   <p:clrMapOvr>
     <a:masterClrMapping/>
   </p:clrMapOvr>
+  <p:timing>
+    <p:tnLst>
+      <p:par>
+        <p:cTn id="1" dur="indefinite" restart="never" nodeType="tmRoot"/>
+      </p:par>
+    </p:tnLst>
+  </p:timing>
 </p:sld>
 </file>
 
@@ -7135,7 +7170,7 @@
           <p:cNvPr id="5" name="Subtitle 4">
             <a:extLst>
               <a:ext uri="{FF2B5EF4-FFF2-40B4-BE49-F238E27FC236}">
-                <a16:creationId xmlns:a16="http://schemas.microsoft.com/office/drawing/2014/main" id="{25C99C0B-24DC-464E-AEB0-124B0DECD18C}"/>
+                <a16:creationId xmlns:a16="http://schemas.microsoft.com/office/drawing/2014/main" xmlns="" id="{25C99C0B-24DC-464E-AEB0-124B0DECD18C}"/>
               </a:ext>
             </a:extLst>
           </p:cNvPr>
@@ -7259,7 +7294,7 @@
           <p:cNvPr id="6" name="TextBox 5">
             <a:extLst>
               <a:ext uri="{FF2B5EF4-FFF2-40B4-BE49-F238E27FC236}">
-                <a16:creationId xmlns:a16="http://schemas.microsoft.com/office/drawing/2014/main" id="{243EF8A7-F534-4440-8C5C-A61C86D65859}"/>
+                <a16:creationId xmlns:a16="http://schemas.microsoft.com/office/drawing/2014/main" xmlns="" id="{243EF8A7-F534-4440-8C5C-A61C86D65859}"/>
               </a:ext>
             </a:extLst>
           </p:cNvPr>
@@ -7306,7 +7341,7 @@
           <p:cNvPr id="2" name="Date Placeholder 1">
             <a:extLst>
               <a:ext uri="{FF2B5EF4-FFF2-40B4-BE49-F238E27FC236}">
-                <a16:creationId xmlns:a16="http://schemas.microsoft.com/office/drawing/2014/main" id="{557D1C03-83FB-4A41-A673-D79050803B7D}"/>
+                <a16:creationId xmlns:a16="http://schemas.microsoft.com/office/drawing/2014/main" xmlns="" id="{557D1C03-83FB-4A41-A673-D79050803B7D}"/>
               </a:ext>
             </a:extLst>
           </p:cNvPr>
@@ -7325,7 +7360,7 @@
             <a:fld id="{46AE972D-E9C9-463C-B8F6-D09D8C3356F7}" type="datetime1">
               <a:rPr lang="en-US" smtClean="0"/>
               <a:pPr/>
-              <a:t>20-Dec-19</a:t>
+              <a:t>1/29/2020</a:t>
             </a:fld>
             <a:endParaRPr lang="en-US"/>
           </a:p>
@@ -7336,7 +7371,7 @@
           <p:cNvPr id="3" name="Slide Number Placeholder 2">
             <a:extLst>
               <a:ext uri="{FF2B5EF4-FFF2-40B4-BE49-F238E27FC236}">
-                <a16:creationId xmlns:a16="http://schemas.microsoft.com/office/drawing/2014/main" id="{159E4775-580B-43B1-BD6F-CC56A677381D}"/>
+                <a16:creationId xmlns:a16="http://schemas.microsoft.com/office/drawing/2014/main" xmlns="" id="{159E4775-580B-43B1-BD6F-CC56A677381D}"/>
               </a:ext>
             </a:extLst>
           </p:cNvPr>
@@ -7364,13 +7399,20 @@
     </p:spTree>
     <p:extLst>
       <p:ext uri="{BB962C8B-B14F-4D97-AF65-F5344CB8AC3E}">
-        <p14:creationId xmlns:p14="http://schemas.microsoft.com/office/powerpoint/2010/main" val="1975427906"/>
+        <p14:creationId xmlns:p14="http://schemas.microsoft.com/office/powerpoint/2010/main" xmlns="" val="1975427906"/>
       </p:ext>
     </p:extLst>
   </p:cSld>
   <p:clrMapOvr>
     <a:masterClrMapping/>
   </p:clrMapOvr>
+  <p:timing>
+    <p:tnLst>
+      <p:par>
+        <p:cTn id="1" dur="indefinite" restart="never" nodeType="tmRoot"/>
+      </p:par>
+    </p:tnLst>
+  </p:timing>
 </p:sld>
 </file>
 
@@ -7519,7 +7561,7 @@
             <a:fld id="{7E3FDB0B-B014-4C47-949F-40696701F18D}" type="datetime1">
               <a:rPr lang="en-US" smtClean="0"/>
               <a:pPr/>
-              <a:t>20-Dec-19</a:t>
+              <a:t>1/29/2020</a:t>
             </a:fld>
             <a:endParaRPr lang="en-US"/>
           </a:p>
@@ -7552,13 +7594,20 @@
     </p:spTree>
     <p:extLst>
       <p:ext uri="{BB962C8B-B14F-4D97-AF65-F5344CB8AC3E}">
-        <p14:creationId xmlns:p14="http://schemas.microsoft.com/office/powerpoint/2010/main" val="2117165276"/>
+        <p14:creationId xmlns:p14="http://schemas.microsoft.com/office/powerpoint/2010/main" xmlns="" val="2117165276"/>
       </p:ext>
     </p:extLst>
   </p:cSld>
   <p:clrMapOvr>
     <a:masterClrMapping/>
   </p:clrMapOvr>
+  <p:timing>
+    <p:tnLst>
+      <p:par>
+        <p:cTn id="1" dur="indefinite" restart="never" nodeType="tmRoot"/>
+      </p:par>
+    </p:tnLst>
+  </p:timing>
 </p:sld>
 </file>
 
@@ -7584,7 +7633,7 @@
           <p:cNvPr id="2" name="TextBox 1">
             <a:extLst>
               <a:ext uri="{FF2B5EF4-FFF2-40B4-BE49-F238E27FC236}">
-                <a16:creationId xmlns:a16="http://schemas.microsoft.com/office/drawing/2014/main" id="{647B59D4-2B44-4776-860C-47B66B58FF3B}"/>
+                <a16:creationId xmlns:a16="http://schemas.microsoft.com/office/drawing/2014/main" xmlns="" id="{647B59D4-2B44-4776-860C-47B66B58FF3B}"/>
               </a:ext>
             </a:extLst>
           </p:cNvPr>
@@ -7624,7 +7673,7 @@
           <p:cNvPr id="4" name="Subtitle 3">
             <a:extLst>
               <a:ext uri="{FF2B5EF4-FFF2-40B4-BE49-F238E27FC236}">
-                <a16:creationId xmlns:a16="http://schemas.microsoft.com/office/drawing/2014/main" id="{5BAF7A38-E445-4B58-9796-4267284E645F}"/>
+                <a16:creationId xmlns:a16="http://schemas.microsoft.com/office/drawing/2014/main" xmlns="" id="{5BAF7A38-E445-4B58-9796-4267284E645F}"/>
               </a:ext>
             </a:extLst>
           </p:cNvPr>
@@ -7693,7 +7742,7 @@
           <p:cNvPr id="3" name="Date Placeholder 2">
             <a:extLst>
               <a:ext uri="{FF2B5EF4-FFF2-40B4-BE49-F238E27FC236}">
-                <a16:creationId xmlns:a16="http://schemas.microsoft.com/office/drawing/2014/main" id="{885E3CB4-25D1-4287-82D6-F9574CEE3BDF}"/>
+                <a16:creationId xmlns:a16="http://schemas.microsoft.com/office/drawing/2014/main" xmlns="" id="{885E3CB4-25D1-4287-82D6-F9574CEE3BDF}"/>
               </a:ext>
             </a:extLst>
           </p:cNvPr>
@@ -7712,7 +7761,7 @@
             <a:fld id="{D7B85C41-A637-4317-A4DB-B59D3E1A9940}" type="datetime1">
               <a:rPr lang="en-US" smtClean="0"/>
               <a:pPr/>
-              <a:t>20-Dec-19</a:t>
+              <a:t>1/29/2020</a:t>
             </a:fld>
             <a:endParaRPr lang="en-US"/>
           </a:p>
@@ -7723,7 +7772,7 @@
           <p:cNvPr id="5" name="Slide Number Placeholder 4">
             <a:extLst>
               <a:ext uri="{FF2B5EF4-FFF2-40B4-BE49-F238E27FC236}">
-                <a16:creationId xmlns:a16="http://schemas.microsoft.com/office/drawing/2014/main" id="{298F78CD-D8AB-4C18-8B69-D4483DA72939}"/>
+                <a16:creationId xmlns:a16="http://schemas.microsoft.com/office/drawing/2014/main" xmlns="" id="{298F78CD-D8AB-4C18-8B69-D4483DA72939}"/>
               </a:ext>
             </a:extLst>
           </p:cNvPr>
@@ -7751,13 +7800,20 @@
     </p:spTree>
     <p:extLst>
       <p:ext uri="{BB962C8B-B14F-4D97-AF65-F5344CB8AC3E}">
-        <p14:creationId xmlns:p14="http://schemas.microsoft.com/office/powerpoint/2010/main" val="991653462"/>
+        <p14:creationId xmlns:p14="http://schemas.microsoft.com/office/powerpoint/2010/main" xmlns="" val="991653462"/>
       </p:ext>
     </p:extLst>
   </p:cSld>
   <p:clrMapOvr>
     <a:masterClrMapping/>
   </p:clrMapOvr>
+  <p:timing>
+    <p:tnLst>
+      <p:par>
+        <p:cTn id="1" dur="indefinite" restart="never" nodeType="tmRoot"/>
+      </p:par>
+    </p:tnLst>
+  </p:timing>
 </p:sld>
 </file>
 
@@ -7837,7 +7893,7 @@
             <a:fld id="{7E3FDB0B-B014-4C47-949F-40696701F18D}" type="datetime1">
               <a:rPr lang="en-US" smtClean="0"/>
               <a:pPr/>
-              <a:t>20-Dec-19</a:t>
+              <a:t>1/29/2020</a:t>
             </a:fld>
             <a:endParaRPr lang="en-US"/>
           </a:p>
@@ -7872,7 +7928,7 @@
           <p:cNvPr id="6" name="TextBox 5">
             <a:extLst>
               <a:ext uri="{FF2B5EF4-FFF2-40B4-BE49-F238E27FC236}">
-                <a16:creationId xmlns:a16="http://schemas.microsoft.com/office/drawing/2014/main" id="{627EDDBC-2D68-45D1-8FFC-C063F89D8F33}"/>
+                <a16:creationId xmlns:a16="http://schemas.microsoft.com/office/drawing/2014/main" xmlns="" id="{627EDDBC-2D68-45D1-8FFC-C063F89D8F33}"/>
               </a:ext>
             </a:extLst>
           </p:cNvPr>
@@ -7905,13 +7961,20 @@
     </p:spTree>
     <p:extLst>
       <p:ext uri="{BB962C8B-B14F-4D97-AF65-F5344CB8AC3E}">
-        <p14:creationId xmlns:p14="http://schemas.microsoft.com/office/powerpoint/2010/main" val="4136263389"/>
+        <p14:creationId xmlns:p14="http://schemas.microsoft.com/office/powerpoint/2010/main" xmlns="" val="4136263389"/>
       </p:ext>
     </p:extLst>
   </p:cSld>
   <p:clrMapOvr>
     <a:masterClrMapping/>
   </p:clrMapOvr>
+  <p:timing>
+    <p:tnLst>
+      <p:par>
+        <p:cTn id="1" dur="indefinite" restart="never" nodeType="tmRoot"/>
+      </p:par>
+    </p:tnLst>
+  </p:timing>
 </p:sld>
 </file>
 
@@ -7937,7 +8000,7 @@
           <p:cNvPr id="3" name="Content Placeholder 2">
             <a:extLst>
               <a:ext uri="{FF2B5EF4-FFF2-40B4-BE49-F238E27FC236}">
-                <a16:creationId xmlns:a16="http://schemas.microsoft.com/office/drawing/2014/main" id="{F5C723CE-071F-469E-BA9D-4010FABC2CEF}"/>
+                <a16:creationId xmlns:a16="http://schemas.microsoft.com/office/drawing/2014/main" xmlns="" id="{F5C723CE-071F-469E-BA9D-4010FABC2CEF}"/>
               </a:ext>
             </a:extLst>
           </p:cNvPr>
@@ -8056,7 +8119,7 @@
           <p:cNvPr id="4" name="Date Placeholder 3">
             <a:extLst>
               <a:ext uri="{FF2B5EF4-FFF2-40B4-BE49-F238E27FC236}">
-                <a16:creationId xmlns:a16="http://schemas.microsoft.com/office/drawing/2014/main" id="{3E42F76C-AE18-42CC-BCFD-97642345C085}"/>
+                <a16:creationId xmlns:a16="http://schemas.microsoft.com/office/drawing/2014/main" xmlns="" id="{3E42F76C-AE18-42CC-BCFD-97642345C085}"/>
               </a:ext>
             </a:extLst>
           </p:cNvPr>
@@ -8075,7 +8138,7 @@
             <a:fld id="{7E3FDB0B-B014-4C47-949F-40696701F18D}" type="datetime1">
               <a:rPr lang="en-US" smtClean="0"/>
               <a:pPr/>
-              <a:t>20-Dec-19</a:t>
+              <a:t>1/29/2020</a:t>
             </a:fld>
             <a:endParaRPr lang="en-US"/>
           </a:p>
@@ -8086,7 +8149,7 @@
           <p:cNvPr id="5" name="Slide Number Placeholder 4">
             <a:extLst>
               <a:ext uri="{FF2B5EF4-FFF2-40B4-BE49-F238E27FC236}">
-                <a16:creationId xmlns:a16="http://schemas.microsoft.com/office/drawing/2014/main" id="{F578E3E6-C96F-47C2-AF11-67AA4F173BA9}"/>
+                <a16:creationId xmlns:a16="http://schemas.microsoft.com/office/drawing/2014/main" xmlns="" id="{F578E3E6-C96F-47C2-AF11-67AA4F173BA9}"/>
               </a:ext>
             </a:extLst>
           </p:cNvPr>
@@ -8116,7 +8179,7 @@
           <p:cNvPr id="6" name="TextBox 5">
             <a:extLst>
               <a:ext uri="{FF2B5EF4-FFF2-40B4-BE49-F238E27FC236}">
-                <a16:creationId xmlns:a16="http://schemas.microsoft.com/office/drawing/2014/main" id="{A54F299C-A042-4E63-AD4E-68885DFF816C}"/>
+                <a16:creationId xmlns:a16="http://schemas.microsoft.com/office/drawing/2014/main" xmlns="" id="{A54F299C-A042-4E63-AD4E-68885DFF816C}"/>
               </a:ext>
             </a:extLst>
           </p:cNvPr>
@@ -8154,13 +8217,20 @@
     </p:spTree>
     <p:extLst>
       <p:ext uri="{BB962C8B-B14F-4D97-AF65-F5344CB8AC3E}">
-        <p14:creationId xmlns:p14="http://schemas.microsoft.com/office/powerpoint/2010/main" val="2991254846"/>
+        <p14:creationId xmlns:p14="http://schemas.microsoft.com/office/powerpoint/2010/main" xmlns="" val="2991254846"/>
       </p:ext>
     </p:extLst>
   </p:cSld>
   <p:clrMapOvr>
     <a:masterClrMapping/>
   </p:clrMapOvr>
+  <p:timing>
+    <p:tnLst>
+      <p:par>
+        <p:cTn id="1" dur="indefinite" restart="never" nodeType="tmRoot"/>
+      </p:par>
+    </p:tnLst>
+  </p:timing>
 </p:sld>
 </file>
 
@@ -8186,7 +8256,7 @@
           <p:cNvPr id="3" name="Content Placeholder 2">
             <a:extLst>
               <a:ext uri="{FF2B5EF4-FFF2-40B4-BE49-F238E27FC236}">
-                <a16:creationId xmlns:a16="http://schemas.microsoft.com/office/drawing/2014/main" id="{871D8F2E-F312-48F9-8BEA-3CC4FEE21B43}"/>
+                <a16:creationId xmlns:a16="http://schemas.microsoft.com/office/drawing/2014/main" xmlns="" id="{871D8F2E-F312-48F9-8BEA-3CC4FEE21B43}"/>
               </a:ext>
             </a:extLst>
           </p:cNvPr>
@@ -8233,7 +8303,7 @@
           <p:cNvPr id="4" name="Date Placeholder 3">
             <a:extLst>
               <a:ext uri="{FF2B5EF4-FFF2-40B4-BE49-F238E27FC236}">
-                <a16:creationId xmlns:a16="http://schemas.microsoft.com/office/drawing/2014/main" id="{3F8F5430-90E2-457C-8DDA-49C432CED6FD}"/>
+                <a16:creationId xmlns:a16="http://schemas.microsoft.com/office/drawing/2014/main" xmlns="" id="{3F8F5430-90E2-457C-8DDA-49C432CED6FD}"/>
               </a:ext>
             </a:extLst>
           </p:cNvPr>
@@ -8252,7 +8322,7 @@
             <a:fld id="{7E3FDB0B-B014-4C47-949F-40696701F18D}" type="datetime1">
               <a:rPr lang="en-US" smtClean="0"/>
               <a:pPr/>
-              <a:t>20-Dec-19</a:t>
+              <a:t>1/29/2020</a:t>
             </a:fld>
             <a:endParaRPr lang="en-US"/>
           </a:p>
@@ -8263,7 +8333,7 @@
           <p:cNvPr id="5" name="Slide Number Placeholder 4">
             <a:extLst>
               <a:ext uri="{FF2B5EF4-FFF2-40B4-BE49-F238E27FC236}">
-                <a16:creationId xmlns:a16="http://schemas.microsoft.com/office/drawing/2014/main" id="{78CF1411-085B-41FA-9572-75B8D8A7BA4E}"/>
+                <a16:creationId xmlns:a16="http://schemas.microsoft.com/office/drawing/2014/main" xmlns="" id="{78CF1411-085B-41FA-9572-75B8D8A7BA4E}"/>
               </a:ext>
             </a:extLst>
           </p:cNvPr>
@@ -8293,7 +8363,7 @@
           <p:cNvPr id="8" name="TextBox 7">
             <a:extLst>
               <a:ext uri="{FF2B5EF4-FFF2-40B4-BE49-F238E27FC236}">
-                <a16:creationId xmlns:a16="http://schemas.microsoft.com/office/drawing/2014/main" id="{90F618BB-60FB-4135-B668-E4EE3E6684F4}"/>
+                <a16:creationId xmlns:a16="http://schemas.microsoft.com/office/drawing/2014/main" xmlns="" id="{90F618BB-60FB-4135-B668-E4EE3E6684F4}"/>
               </a:ext>
             </a:extLst>
           </p:cNvPr>
@@ -8331,13 +8401,20 @@
     </p:spTree>
     <p:extLst>
       <p:ext uri="{BB962C8B-B14F-4D97-AF65-F5344CB8AC3E}">
-        <p14:creationId xmlns:p14="http://schemas.microsoft.com/office/powerpoint/2010/main" val="2749495078"/>
+        <p14:creationId xmlns:p14="http://schemas.microsoft.com/office/powerpoint/2010/main" xmlns="" val="2749495078"/>
       </p:ext>
     </p:extLst>
   </p:cSld>
   <p:clrMapOvr>
     <a:masterClrMapping/>
   </p:clrMapOvr>
+  <p:timing>
+    <p:tnLst>
+      <p:par>
+        <p:cTn id="1" dur="indefinite" restart="never" nodeType="tmRoot"/>
+      </p:par>
+    </p:tnLst>
+  </p:timing>
 </p:sld>
 </file>
 
@@ -8387,7 +8464,7 @@
           <p:cNvPr id="7" name="Content Placeholder 6">
             <a:extLst>
               <a:ext uri="{FF2B5EF4-FFF2-40B4-BE49-F238E27FC236}">
-                <a16:creationId xmlns:a16="http://schemas.microsoft.com/office/drawing/2014/main" id="{BA0A6C8F-802D-400B-B5FA-7B2C68FF7409}"/>
+                <a16:creationId xmlns:a16="http://schemas.microsoft.com/office/drawing/2014/main" xmlns="" id="{BA0A6C8F-802D-400B-B5FA-7B2C68FF7409}"/>
               </a:ext>
             </a:extLst>
           </p:cNvPr>
@@ -8402,7 +8479,7 @@
           <a:blip r:embed="rId2">
             <a:extLst>
               <a:ext uri="{28A0092B-C50C-407E-A947-70E740481C1C}">
-                <a14:useLocalDpi xmlns:a14="http://schemas.microsoft.com/office/drawing/2010/main" val="0"/>
+                <a14:useLocalDpi xmlns:a14="http://schemas.microsoft.com/office/drawing/2010/main" xmlns="" val="0"/>
               </a:ext>
             </a:extLst>
           </a:blip>
@@ -8435,7 +8512,7 @@
             <a:fld id="{7E3FDB0B-B014-4C47-949F-40696701F18D}" type="datetime1">
               <a:rPr lang="en-US" smtClean="0"/>
               <a:pPr/>
-              <a:t>20-Dec-19</a:t>
+              <a:t>1/29/2020</a:t>
             </a:fld>
             <a:endParaRPr lang="en-US"/>
           </a:p>
@@ -8470,7 +8547,7 @@
           <p:cNvPr id="6" name="TextBox 5">
             <a:extLst>
               <a:ext uri="{FF2B5EF4-FFF2-40B4-BE49-F238E27FC236}">
-                <a16:creationId xmlns:a16="http://schemas.microsoft.com/office/drawing/2014/main" id="{27FDA578-60F2-4A5E-BD94-10213F42A73A}"/>
+                <a16:creationId xmlns:a16="http://schemas.microsoft.com/office/drawing/2014/main" xmlns="" id="{27FDA578-60F2-4A5E-BD94-10213F42A73A}"/>
               </a:ext>
             </a:extLst>
           </p:cNvPr>
@@ -8503,13 +8580,20 @@
     </p:spTree>
     <p:extLst>
       <p:ext uri="{BB962C8B-B14F-4D97-AF65-F5344CB8AC3E}">
-        <p14:creationId xmlns:p14="http://schemas.microsoft.com/office/powerpoint/2010/main" val="3395160387"/>
+        <p14:creationId xmlns:p14="http://schemas.microsoft.com/office/powerpoint/2010/main" xmlns="" val="3395160387"/>
       </p:ext>
     </p:extLst>
   </p:cSld>
   <p:clrMapOvr>
     <a:masterClrMapping/>
   </p:clrMapOvr>
+  <p:timing>
+    <p:tnLst>
+      <p:par>
+        <p:cTn id="1" dur="indefinite" restart="never" nodeType="tmRoot"/>
+      </p:par>
+    </p:tnLst>
+  </p:timing>
 </p:sld>
 </file>
 
@@ -8606,7 +8690,7 @@
             <a:fld id="{7E3FDB0B-B014-4C47-949F-40696701F18D}" type="datetime1">
               <a:rPr lang="en-US" smtClean="0"/>
               <a:pPr/>
-              <a:t>20-Dec-19</a:t>
+              <a:t>1/29/2020</a:t>
             </a:fld>
             <a:endParaRPr lang="en-US"/>
           </a:p>
@@ -8641,7 +8725,7 @@
           <p:cNvPr id="6" name="TextBox 5">
             <a:extLst>
               <a:ext uri="{FF2B5EF4-FFF2-40B4-BE49-F238E27FC236}">
-                <a16:creationId xmlns:a16="http://schemas.microsoft.com/office/drawing/2014/main" id="{74347C76-4F23-44C2-8A76-7BCB3209A5F3}"/>
+                <a16:creationId xmlns:a16="http://schemas.microsoft.com/office/drawing/2014/main" xmlns="" id="{74347C76-4F23-44C2-8A76-7BCB3209A5F3}"/>
               </a:ext>
             </a:extLst>
           </p:cNvPr>
@@ -8679,13 +8763,20 @@
     </p:spTree>
     <p:extLst>
       <p:ext uri="{BB962C8B-B14F-4D97-AF65-F5344CB8AC3E}">
-        <p14:creationId xmlns:p14="http://schemas.microsoft.com/office/powerpoint/2010/main" val="1906710318"/>
+        <p14:creationId xmlns:p14="http://schemas.microsoft.com/office/powerpoint/2010/main" xmlns="" val="1906710318"/>
       </p:ext>
     </p:extLst>
   </p:cSld>
   <p:clrMapOvr>
     <a:masterClrMapping/>
   </p:clrMapOvr>
+  <p:timing>
+    <p:tnLst>
+      <p:par>
+        <p:cTn id="1" dur="indefinite" restart="never" nodeType="tmRoot"/>
+      </p:par>
+    </p:tnLst>
+  </p:timing>
 </p:sld>
 </file>
 
@@ -8944,7 +9035,7 @@
   <a:extraClrSchemeLst/>
   <a:extLst>
     <a:ext uri="{05A4C25C-085E-4340-85A3-A5531E510DB2}">
-      <thm15:themeFamily xmlns:thm15="http://schemas.microsoft.com/office/thememl/2012/main" name="Office Theme" id="{62F939B6-93AF-4DB8-9C6B-D6C7DFDC589F}" vid="{4A3C46E8-61CC-4603-A589-7422A47A8E4A}"/>
+      <thm15:themeFamily xmlns:thm15="http://schemas.microsoft.com/office/thememl/2012/main" xmlns="" name="Office Theme" id="{62F939B6-93AF-4DB8-9C6B-D6C7DFDC589F}" vid="{4A3C46E8-61CC-4603-A589-7422A47A8E4A}"/>
     </a:ext>
   </a:extLst>
 </a:theme>
@@ -9239,7 +9330,7 @@
   <a:extraClrSchemeLst/>
   <a:extLst>
     <a:ext uri="{05A4C25C-085E-4340-85A3-A5531E510DB2}">
-      <thm15:themeFamily xmlns:thm15="http://schemas.microsoft.com/office/thememl/2012/main" name="Office Theme" id="{62F939B6-93AF-4DB8-9C6B-D6C7DFDC589F}" vid="{4A3C46E8-61CC-4603-A589-7422A47A8E4A}"/>
+      <thm15:themeFamily xmlns:thm15="http://schemas.microsoft.com/office/thememl/2012/main" xmlns="" name="Office Theme" id="{62F939B6-93AF-4DB8-9C6B-D6C7DFDC589F}" vid="{4A3C46E8-61CC-4603-A589-7422A47A8E4A}"/>
     </a:ext>
   </a:extLst>
 </a:theme>
